--- a/decks/workshop-orchestrator/workshop-orchestrator.pptx
+++ b/decks/workshop-orchestrator/workshop-orchestrator.pptx
@@ -521,7 +521,7 @@
           <a:p>
             <a:r>
               <a:rPr lang="en-US" dirty="0"/>
-              <a:t>Welcome to Session 4 — the final session of the AI Academy. Requires Claude Code.</a:t>
+              <a:t>Session 4 — final AI Academy session. Requires Claude Code.</a:t>
             </a:r>
             <a:endParaRPr lang="en-US" dirty="0"/>
           </a:p>
@@ -1669,7 +1669,7 @@
           <a:p>
             <a:r>
               <a:rPr lang="en-US" dirty="0"/>
-              <a:t>Recap of Workshop 3. They can set up and run a single agent. But complex work has multiple steps, and one agent trying to do everything will lose focus.</a:t>
+              <a:t>Recap W3. Single agent works but loses focus on multi-step tasks.</a:t>
             </a:r>
             <a:endParaRPr lang="en-US" dirty="0"/>
           </a:p>
